--- a/2021년 7월 10일 도면해석자동화.pptx
+++ b/2021년 7월 10일 도면해석자동화.pptx
@@ -123,7 +123,7 @@
   </p:defaultTextStyle>
   <p:extLst>
     <p:ext uri="{EFAFB233-063F-42B5-8137-9DF3F51BA10A}">
-      <p15:sldGuideLst xmlns:p15="http://schemas.microsoft.com/office/powerpoint/2012/main" xmlns="">
+      <p15:sldGuideLst xmlns="" xmlns:p15="http://schemas.microsoft.com/office/powerpoint/2012/main">
         <p15:guide id="1" orient="horz" pos="2183" userDrawn="1">
           <p15:clr>
             <a:srgbClr val="A4A3A4"/>
@@ -223,7 +223,7 @@
             <a:fld id="{6A362C80-AE36-4E76-B3A2-B93715BD75DF}" type="datetimeFigureOut">
               <a:rPr lang="ko-KR" altLang="en-US" smtClean="0"/>
               <a:pPr/>
-              <a:t>2021-07-09</a:t>
+              <a:t>2021-07-13</a:t>
             </a:fld>
             <a:endParaRPr lang="ko-KR" altLang="en-US"/>
           </a:p>
@@ -619,7 +619,7 @@
             <a:fld id="{3AC7D0C1-D5FE-48CB-AEB6-E9E3D1C2E343}" type="datetimeFigureOut">
               <a:rPr lang="ko-KR" altLang="en-US" smtClean="0"/>
               <a:pPr/>
-              <a:t>2021-07-09</a:t>
+              <a:t>2021-07-13</a:t>
             </a:fld>
             <a:endParaRPr lang="ko-KR" altLang="en-US"/>
           </a:p>
@@ -671,7 +671,7 @@
     </p:spTree>
     <p:extLst>
       <p:ext uri="{BB962C8B-B14F-4D97-AF65-F5344CB8AC3E}">
-        <p14:creationId xmlns:p14="http://schemas.microsoft.com/office/powerpoint/2010/main" xmlns="" val="1823638458"/>
+        <p14:creationId xmlns="" xmlns:p14="http://schemas.microsoft.com/office/powerpoint/2010/main" val="1823638458"/>
       </p:ext>
     </p:extLst>
   </p:cSld>
@@ -789,7 +789,7 @@
             <a:fld id="{3AC7D0C1-D5FE-48CB-AEB6-E9E3D1C2E343}" type="datetimeFigureOut">
               <a:rPr lang="ko-KR" altLang="en-US" smtClean="0"/>
               <a:pPr/>
-              <a:t>2021-07-09</a:t>
+              <a:t>2021-07-13</a:t>
             </a:fld>
             <a:endParaRPr lang="ko-KR" altLang="en-US"/>
           </a:p>
@@ -841,7 +841,7 @@
     </p:spTree>
     <p:extLst>
       <p:ext uri="{BB962C8B-B14F-4D97-AF65-F5344CB8AC3E}">
-        <p14:creationId xmlns:p14="http://schemas.microsoft.com/office/powerpoint/2010/main" xmlns="" val="1781722897"/>
+        <p14:creationId xmlns="" xmlns:p14="http://schemas.microsoft.com/office/powerpoint/2010/main" val="1781722897"/>
       </p:ext>
     </p:extLst>
   </p:cSld>
@@ -969,7 +969,7 @@
             <a:fld id="{3AC7D0C1-D5FE-48CB-AEB6-E9E3D1C2E343}" type="datetimeFigureOut">
               <a:rPr lang="ko-KR" altLang="en-US" smtClean="0"/>
               <a:pPr/>
-              <a:t>2021-07-09</a:t>
+              <a:t>2021-07-13</a:t>
             </a:fld>
             <a:endParaRPr lang="ko-KR" altLang="en-US"/>
           </a:p>
@@ -1021,7 +1021,7 @@
     </p:spTree>
     <p:extLst>
       <p:ext uri="{BB962C8B-B14F-4D97-AF65-F5344CB8AC3E}">
-        <p14:creationId xmlns:p14="http://schemas.microsoft.com/office/powerpoint/2010/main" xmlns="" val="1329840432"/>
+        <p14:creationId xmlns="" xmlns:p14="http://schemas.microsoft.com/office/powerpoint/2010/main" val="1329840432"/>
       </p:ext>
     </p:extLst>
   </p:cSld>
@@ -1139,7 +1139,7 @@
             <a:fld id="{3AC7D0C1-D5FE-48CB-AEB6-E9E3D1C2E343}" type="datetimeFigureOut">
               <a:rPr lang="ko-KR" altLang="en-US" smtClean="0"/>
               <a:pPr/>
-              <a:t>2021-07-09</a:t>
+              <a:t>2021-07-13</a:t>
             </a:fld>
             <a:endParaRPr lang="ko-KR" altLang="en-US"/>
           </a:p>
@@ -1191,7 +1191,7 @@
     </p:spTree>
     <p:extLst>
       <p:ext uri="{BB962C8B-B14F-4D97-AF65-F5344CB8AC3E}">
-        <p14:creationId xmlns:p14="http://schemas.microsoft.com/office/powerpoint/2010/main" xmlns="" val="1416330142"/>
+        <p14:creationId xmlns="" xmlns:p14="http://schemas.microsoft.com/office/powerpoint/2010/main" val="1416330142"/>
       </p:ext>
     </p:extLst>
   </p:cSld>
@@ -1386,7 +1386,7 @@
             <a:fld id="{3AC7D0C1-D5FE-48CB-AEB6-E9E3D1C2E343}" type="datetimeFigureOut">
               <a:rPr lang="ko-KR" altLang="en-US" smtClean="0"/>
               <a:pPr/>
-              <a:t>2021-07-09</a:t>
+              <a:t>2021-07-13</a:t>
             </a:fld>
             <a:endParaRPr lang="ko-KR" altLang="en-US"/>
           </a:p>
@@ -1438,7 +1438,7 @@
     </p:spTree>
     <p:extLst>
       <p:ext uri="{BB962C8B-B14F-4D97-AF65-F5344CB8AC3E}">
-        <p14:creationId xmlns:p14="http://schemas.microsoft.com/office/powerpoint/2010/main" xmlns="" val="655722256"/>
+        <p14:creationId xmlns="" xmlns:p14="http://schemas.microsoft.com/office/powerpoint/2010/main" val="655722256"/>
       </p:ext>
     </p:extLst>
   </p:cSld>
@@ -1617,7 +1617,7 @@
             <a:fld id="{3AC7D0C1-D5FE-48CB-AEB6-E9E3D1C2E343}" type="datetimeFigureOut">
               <a:rPr lang="ko-KR" altLang="en-US" smtClean="0"/>
               <a:pPr/>
-              <a:t>2021-07-09</a:t>
+              <a:t>2021-07-13</a:t>
             </a:fld>
             <a:endParaRPr lang="ko-KR" altLang="en-US"/>
           </a:p>
@@ -1669,7 +1669,7 @@
     </p:spTree>
     <p:extLst>
       <p:ext uri="{BB962C8B-B14F-4D97-AF65-F5344CB8AC3E}">
-        <p14:creationId xmlns:p14="http://schemas.microsoft.com/office/powerpoint/2010/main" xmlns="" val="459837990"/>
+        <p14:creationId xmlns="" xmlns:p14="http://schemas.microsoft.com/office/powerpoint/2010/main" val="459837990"/>
       </p:ext>
     </p:extLst>
   </p:cSld>
@@ -1983,7 +1983,7 @@
             <a:fld id="{3AC7D0C1-D5FE-48CB-AEB6-E9E3D1C2E343}" type="datetimeFigureOut">
               <a:rPr lang="ko-KR" altLang="en-US" smtClean="0"/>
               <a:pPr/>
-              <a:t>2021-07-09</a:t>
+              <a:t>2021-07-13</a:t>
             </a:fld>
             <a:endParaRPr lang="ko-KR" altLang="en-US"/>
           </a:p>
@@ -2035,7 +2035,7 @@
     </p:spTree>
     <p:extLst>
       <p:ext uri="{BB962C8B-B14F-4D97-AF65-F5344CB8AC3E}">
-        <p14:creationId xmlns:p14="http://schemas.microsoft.com/office/powerpoint/2010/main" xmlns="" val="2641639093"/>
+        <p14:creationId xmlns="" xmlns:p14="http://schemas.microsoft.com/office/powerpoint/2010/main" val="2641639093"/>
       </p:ext>
     </p:extLst>
   </p:cSld>
@@ -2102,7 +2102,7 @@
             <a:fld id="{3AC7D0C1-D5FE-48CB-AEB6-E9E3D1C2E343}" type="datetimeFigureOut">
               <a:rPr lang="ko-KR" altLang="en-US" smtClean="0"/>
               <a:pPr/>
-              <a:t>2021-07-09</a:t>
+              <a:t>2021-07-13</a:t>
             </a:fld>
             <a:endParaRPr lang="ko-KR" altLang="en-US"/>
           </a:p>
@@ -2154,7 +2154,7 @@
     </p:spTree>
     <p:extLst>
       <p:ext uri="{BB962C8B-B14F-4D97-AF65-F5344CB8AC3E}">
-        <p14:creationId xmlns:p14="http://schemas.microsoft.com/office/powerpoint/2010/main" xmlns="" val="217537536"/>
+        <p14:creationId xmlns="" xmlns:p14="http://schemas.microsoft.com/office/powerpoint/2010/main" val="217537536"/>
       </p:ext>
     </p:extLst>
   </p:cSld>
@@ -2199,7 +2199,7 @@
             <a:fld id="{3AC7D0C1-D5FE-48CB-AEB6-E9E3D1C2E343}" type="datetimeFigureOut">
               <a:rPr lang="ko-KR" altLang="en-US" smtClean="0"/>
               <a:pPr/>
-              <a:t>2021-07-09</a:t>
+              <a:t>2021-07-13</a:t>
             </a:fld>
             <a:endParaRPr lang="ko-KR" altLang="en-US"/>
           </a:p>
@@ -2251,7 +2251,7 @@
     </p:spTree>
     <p:extLst>
       <p:ext uri="{BB962C8B-B14F-4D97-AF65-F5344CB8AC3E}">
-        <p14:creationId xmlns:p14="http://schemas.microsoft.com/office/powerpoint/2010/main" xmlns="" val="952981668"/>
+        <p14:creationId xmlns="" xmlns:p14="http://schemas.microsoft.com/office/powerpoint/2010/main" val="952981668"/>
       </p:ext>
     </p:extLst>
   </p:cSld>
@@ -2476,7 +2476,7 @@
             <a:fld id="{3AC7D0C1-D5FE-48CB-AEB6-E9E3D1C2E343}" type="datetimeFigureOut">
               <a:rPr lang="ko-KR" altLang="en-US" smtClean="0"/>
               <a:pPr/>
-              <a:t>2021-07-09</a:t>
+              <a:t>2021-07-13</a:t>
             </a:fld>
             <a:endParaRPr lang="ko-KR" altLang="en-US"/>
           </a:p>
@@ -2528,7 +2528,7 @@
     </p:spTree>
     <p:extLst>
       <p:ext uri="{BB962C8B-B14F-4D97-AF65-F5344CB8AC3E}">
-        <p14:creationId xmlns:p14="http://schemas.microsoft.com/office/powerpoint/2010/main" xmlns="" val="2227975819"/>
+        <p14:creationId xmlns="" xmlns:p14="http://schemas.microsoft.com/office/powerpoint/2010/main" val="2227975819"/>
       </p:ext>
     </p:extLst>
   </p:cSld>
@@ -2730,7 +2730,7 @@
             <a:fld id="{3AC7D0C1-D5FE-48CB-AEB6-E9E3D1C2E343}" type="datetimeFigureOut">
               <a:rPr lang="ko-KR" altLang="en-US" smtClean="0"/>
               <a:pPr/>
-              <a:t>2021-07-09</a:t>
+              <a:t>2021-07-13</a:t>
             </a:fld>
             <a:endParaRPr lang="ko-KR" altLang="en-US"/>
           </a:p>
@@ -2782,7 +2782,7 @@
     </p:spTree>
     <p:extLst>
       <p:ext uri="{BB962C8B-B14F-4D97-AF65-F5344CB8AC3E}">
-        <p14:creationId xmlns:p14="http://schemas.microsoft.com/office/powerpoint/2010/main" xmlns="" val="3028947436"/>
+        <p14:creationId xmlns="" xmlns:p14="http://schemas.microsoft.com/office/powerpoint/2010/main" val="3028947436"/>
       </p:ext>
     </p:extLst>
   </p:cSld>
@@ -2943,7 +2943,7 @@
             <a:fld id="{3AC7D0C1-D5FE-48CB-AEB6-E9E3D1C2E343}" type="datetimeFigureOut">
               <a:rPr lang="ko-KR" altLang="en-US" smtClean="0"/>
               <a:pPr/>
-              <a:t>2021-07-09</a:t>
+              <a:t>2021-07-13</a:t>
             </a:fld>
             <a:endParaRPr lang="ko-KR" altLang="en-US"/>
           </a:p>
@@ -3033,7 +3033,7 @@
           <p:cNvPr id="7" name="TextBox 6">
             <a:extLst>
               <a:ext uri="{FF2B5EF4-FFF2-40B4-BE49-F238E27FC236}">
-                <a16:creationId xmlns:a16="http://schemas.microsoft.com/office/drawing/2014/main" xmlns="" id="{691811B0-B48E-441A-87FD-055ECECA2FB0}"/>
+                <a16:creationId xmlns="" xmlns:a16="http://schemas.microsoft.com/office/drawing/2014/main" id="{691811B0-B48E-441A-87FD-055ECECA2FB0}"/>
               </a:ext>
             </a:extLst>
           </p:cNvPr>
@@ -3078,7 +3078,7 @@
     </p:spTree>
     <p:extLst>
       <p:ext uri="{BB962C8B-B14F-4D97-AF65-F5344CB8AC3E}">
-        <p14:creationId xmlns:p14="http://schemas.microsoft.com/office/powerpoint/2010/main" xmlns="" val="3455661240"/>
+        <p14:creationId xmlns="" xmlns:p14="http://schemas.microsoft.com/office/powerpoint/2010/main" val="3455661240"/>
       </p:ext>
     </p:extLst>
   </p:cSld>
@@ -3408,7 +3408,7 @@
           <a:blip r:embed="rId2" cstate="print">
             <a:extLst>
               <a:ext uri="{28A0092B-C50C-407E-A947-70E740481C1C}">
-                <a14:useLocalDpi xmlns:a14="http://schemas.microsoft.com/office/drawing/2010/main" xmlns="" val="0"/>
+                <a14:useLocalDpi xmlns="" xmlns:a14="http://schemas.microsoft.com/office/drawing/2010/main" val="0"/>
               </a:ext>
             </a:extLst>
           </a:blip>
@@ -3680,7 +3680,7 @@
     </p:spTree>
     <p:extLst>
       <p:ext uri="{BB962C8B-B14F-4D97-AF65-F5344CB8AC3E}">
-        <p14:creationId xmlns:p14="http://schemas.microsoft.com/office/powerpoint/2010/main" xmlns="" val="2239986084"/>
+        <p14:creationId xmlns="" xmlns:p14="http://schemas.microsoft.com/office/powerpoint/2010/main" val="2239986084"/>
       </p:ext>
     </p:extLst>
   </p:cSld>
@@ -3898,7 +3898,7 @@
           <p:cNvPr id="34" name="TextBox 33">
             <a:extLst>
               <a:ext uri="{FF2B5EF4-FFF2-40B4-BE49-F238E27FC236}">
-                <a16:creationId xmlns="" xmlns:a16="http://schemas.microsoft.com/office/drawing/2014/main" id="{D521CD57-7D52-4085-AA67-6293BD236F8A}"/>
+                <a16:creationId xmlns:a16="http://schemas.microsoft.com/office/drawing/2014/main" xmlns="" id="{D521CD57-7D52-4085-AA67-6293BD236F8A}"/>
               </a:ext>
             </a:extLst>
           </p:cNvPr>
@@ -3934,17 +3934,7 @@
                 <a:latin typeface="210 옴니고딕 030" panose="02020603020101020101" pitchFamily="18" charset="-127"/>
                 <a:ea typeface="210 옴니고딕 030" panose="02020603020101020101" pitchFamily="18" charset="-127"/>
               </a:rPr>
-              <a:t>   </a:t>
-            </a:r>
-            <a:r>
-              <a:rPr lang="en-US" altLang="ko-KR" b="1" dirty="0" smtClean="0">
-                <a:solidFill>
-                  <a:schemeClr val="tx2"/>
-                </a:solidFill>
-                <a:latin typeface="210 옴니고딕 030" panose="02020603020101020101" pitchFamily="18" charset="-127"/>
-                <a:ea typeface="210 옴니고딕 030" panose="02020603020101020101" pitchFamily="18" charset="-127"/>
-              </a:rPr>
-              <a:t>1. </a:t>
+              <a:t>   1. </a:t>
             </a:r>
             <a:r>
               <a:rPr lang="ko-KR" altLang="en-US" b="1" dirty="0" smtClean="0">
@@ -3954,17 +3944,7 @@
                 <a:latin typeface="210 옴니고딕 030" panose="02020603020101020101" pitchFamily="18" charset="-127"/>
                 <a:ea typeface="210 옴니고딕 030" panose="02020603020101020101" pitchFamily="18" charset="-127"/>
               </a:rPr>
-              <a:t>각 </a:t>
-            </a:r>
-            <a:r>
-              <a:rPr lang="ko-KR" altLang="en-US" b="1" dirty="0" smtClean="0">
-                <a:solidFill>
-                  <a:schemeClr val="tx2"/>
-                </a:solidFill>
-                <a:latin typeface="210 옴니고딕 030" panose="02020603020101020101" pitchFamily="18" charset="-127"/>
-                <a:ea typeface="210 옴니고딕 030" panose="02020603020101020101" pitchFamily="18" charset="-127"/>
-              </a:rPr>
-              <a:t>부호마다 해당되는 </a:t>
+              <a:t>각 부호마다 해당되는 </a:t>
             </a:r>
             <a:r>
               <a:rPr lang="en-US" altLang="ko-KR" b="1" dirty="0" smtClean="0">
@@ -4742,7 +4722,7 @@
     </p:spTree>
     <p:extLst>
       <p:ext uri="{BB962C8B-B14F-4D97-AF65-F5344CB8AC3E}">
-        <p14:creationId xmlns:p14="http://schemas.microsoft.com/office/powerpoint/2010/main" xmlns="" val="3168494829"/>
+        <p14:creationId xmlns="" xmlns:p14="http://schemas.microsoft.com/office/powerpoint/2010/main" val="3168494829"/>
       </p:ext>
     </p:extLst>
   </p:cSld>
@@ -4960,7 +4940,7 @@
           <p:cNvPr id="34" name="TextBox 33">
             <a:extLst>
               <a:ext uri="{FF2B5EF4-FFF2-40B4-BE49-F238E27FC236}">
-                <a16:creationId xmlns="" xmlns:a16="http://schemas.microsoft.com/office/drawing/2014/main" id="{D521CD57-7D52-4085-AA67-6293BD236F8A}"/>
+                <a16:creationId xmlns:a16="http://schemas.microsoft.com/office/drawing/2014/main" xmlns="" id="{D521CD57-7D52-4085-AA67-6293BD236F8A}"/>
               </a:ext>
             </a:extLst>
           </p:cNvPr>
@@ -4996,17 +4976,7 @@
                 <a:latin typeface="210 옴니고딕 030" panose="02020603020101020101" pitchFamily="18" charset="-127"/>
                 <a:ea typeface="210 옴니고딕 030" panose="02020603020101020101" pitchFamily="18" charset="-127"/>
               </a:rPr>
-              <a:t>   </a:t>
-            </a:r>
-            <a:r>
-              <a:rPr lang="en-US" altLang="ko-KR" b="1" dirty="0" smtClean="0">
-                <a:solidFill>
-                  <a:schemeClr val="tx2"/>
-                </a:solidFill>
-                <a:latin typeface="210 옴니고딕 030" panose="02020603020101020101" pitchFamily="18" charset="-127"/>
-                <a:ea typeface="210 옴니고딕 030" panose="02020603020101020101" pitchFamily="18" charset="-127"/>
-              </a:rPr>
-              <a:t>1. </a:t>
+              <a:t>   1. </a:t>
             </a:r>
             <a:r>
               <a:rPr lang="ko-KR" altLang="en-US" b="1" dirty="0" smtClean="0">
@@ -5258,7 +5228,7 @@
         </p:nvSpPr>
         <p:spPr>
           <a:xfrm>
-            <a:off x="6153150" y="2771774"/>
+            <a:off x="6086475" y="2762249"/>
             <a:ext cx="971549" cy="266701"/>
           </a:xfrm>
           <a:prstGeom prst="rect">
@@ -5304,7 +5274,7 @@
         </p:nvSpPr>
         <p:spPr>
           <a:xfrm>
-            <a:off x="9315451" y="2781299"/>
+            <a:off x="9286876" y="2781299"/>
             <a:ext cx="381000" cy="266701"/>
           </a:xfrm>
           <a:prstGeom prst="rect">
@@ -5391,7 +5361,7 @@
     </p:spTree>
     <p:extLst>
       <p:ext uri="{BB962C8B-B14F-4D97-AF65-F5344CB8AC3E}">
-        <p14:creationId xmlns:p14="http://schemas.microsoft.com/office/powerpoint/2010/main" xmlns="" val="3168494829"/>
+        <p14:creationId xmlns="" xmlns:p14="http://schemas.microsoft.com/office/powerpoint/2010/main" val="3168494829"/>
       </p:ext>
     </p:extLst>
   </p:cSld>
@@ -5609,7 +5579,7 @@
           <p:cNvPr id="34" name="TextBox 33">
             <a:extLst>
               <a:ext uri="{FF2B5EF4-FFF2-40B4-BE49-F238E27FC236}">
-                <a16:creationId xmlns="" xmlns:a16="http://schemas.microsoft.com/office/drawing/2014/main" id="{D521CD57-7D52-4085-AA67-6293BD236F8A}"/>
+                <a16:creationId xmlns:a16="http://schemas.microsoft.com/office/drawing/2014/main" xmlns="" id="{D521CD57-7D52-4085-AA67-6293BD236F8A}"/>
               </a:ext>
             </a:extLst>
           </p:cNvPr>
@@ -5645,27 +5615,7 @@
                 <a:latin typeface="210 옴니고딕 030" panose="02020603020101020101" pitchFamily="18" charset="-127"/>
                 <a:ea typeface="210 옴니고딕 030" panose="02020603020101020101" pitchFamily="18" charset="-127"/>
               </a:rPr>
-              <a:t>   </a:t>
-            </a:r>
-            <a:r>
-              <a:rPr lang="en-US" altLang="ko-KR" b="1" dirty="0" smtClean="0">
-                <a:solidFill>
-                  <a:schemeClr val="tx2"/>
-                </a:solidFill>
-                <a:latin typeface="210 옴니고딕 030" panose="02020603020101020101" pitchFamily="18" charset="-127"/>
-                <a:ea typeface="210 옴니고딕 030" panose="02020603020101020101" pitchFamily="18" charset="-127"/>
-              </a:rPr>
-              <a:t>2</a:t>
-            </a:r>
-            <a:r>
-              <a:rPr lang="en-US" altLang="ko-KR" b="1" dirty="0" smtClean="0">
-                <a:solidFill>
-                  <a:schemeClr val="tx2"/>
-                </a:solidFill>
-                <a:latin typeface="210 옴니고딕 030" panose="02020603020101020101" pitchFamily="18" charset="-127"/>
-                <a:ea typeface="210 옴니고딕 030" panose="02020603020101020101" pitchFamily="18" charset="-127"/>
-              </a:rPr>
-              <a:t>. </a:t>
+              <a:t>   2. </a:t>
             </a:r>
             <a:r>
               <a:rPr lang="ko-KR" altLang="en-US" b="1" dirty="0" smtClean="0">
@@ -6224,7 +6174,7 @@
     </p:spTree>
     <p:extLst>
       <p:ext uri="{BB962C8B-B14F-4D97-AF65-F5344CB8AC3E}">
-        <p14:creationId xmlns:p14="http://schemas.microsoft.com/office/powerpoint/2010/main" xmlns="" val="3168494829"/>
+        <p14:creationId xmlns="" xmlns:p14="http://schemas.microsoft.com/office/powerpoint/2010/main" val="3168494829"/>
       </p:ext>
     </p:extLst>
   </p:cSld>
@@ -6442,7 +6392,7 @@
           <p:cNvPr id="34" name="TextBox 33">
             <a:extLst>
               <a:ext uri="{FF2B5EF4-FFF2-40B4-BE49-F238E27FC236}">
-                <a16:creationId xmlns="" xmlns:a16="http://schemas.microsoft.com/office/drawing/2014/main" id="{D521CD57-7D52-4085-AA67-6293BD236F8A}"/>
+                <a16:creationId xmlns:a16="http://schemas.microsoft.com/office/drawing/2014/main" xmlns="" id="{D521CD57-7D52-4085-AA67-6293BD236F8A}"/>
               </a:ext>
             </a:extLst>
           </p:cNvPr>
@@ -6478,27 +6428,7 @@
                 <a:latin typeface="210 옴니고딕 030" panose="02020603020101020101" pitchFamily="18" charset="-127"/>
                 <a:ea typeface="210 옴니고딕 030" panose="02020603020101020101" pitchFamily="18" charset="-127"/>
               </a:rPr>
-              <a:t>   </a:t>
-            </a:r>
-            <a:r>
-              <a:rPr lang="en-US" altLang="ko-KR" b="1" dirty="0" smtClean="0">
-                <a:solidFill>
-                  <a:schemeClr val="tx2"/>
-                </a:solidFill>
-                <a:latin typeface="210 옴니고딕 030" panose="02020603020101020101" pitchFamily="18" charset="-127"/>
-                <a:ea typeface="210 옴니고딕 030" panose="02020603020101020101" pitchFamily="18" charset="-127"/>
-              </a:rPr>
-              <a:t>3</a:t>
-            </a:r>
-            <a:r>
-              <a:rPr lang="en-US" altLang="ko-KR" b="1" dirty="0" smtClean="0">
-                <a:solidFill>
-                  <a:schemeClr val="tx2"/>
-                </a:solidFill>
-                <a:latin typeface="210 옴니고딕 030" panose="02020603020101020101" pitchFamily="18" charset="-127"/>
-                <a:ea typeface="210 옴니고딕 030" panose="02020603020101020101" pitchFamily="18" charset="-127"/>
-              </a:rPr>
-              <a:t>. </a:t>
+              <a:t>   3. </a:t>
             </a:r>
             <a:r>
               <a:rPr lang="ko-KR" altLang="en-US" b="1" dirty="0" smtClean="0">
@@ -6612,17 +6542,7 @@
                 <a:latin typeface="210 옴니고딕 030" panose="02020603020101020101" pitchFamily="18" charset="-127"/>
                 <a:ea typeface="210 옴니고딕 030" panose="02020603020101020101" pitchFamily="18" charset="-127"/>
               </a:rPr>
-              <a:t> </a:t>
-            </a:r>
-            <a:r>
-              <a:rPr lang="en-US" altLang="ko-KR" b="1" dirty="0" smtClean="0">
-                <a:solidFill>
-                  <a:schemeClr val="tx2"/>
-                </a:solidFill>
-                <a:latin typeface="210 옴니고딕 030" panose="02020603020101020101" pitchFamily="18" charset="-127"/>
-                <a:ea typeface="210 옴니고딕 030" panose="02020603020101020101" pitchFamily="18" charset="-127"/>
-              </a:rPr>
-              <a:t>     </a:t>
+              <a:t>      </a:t>
             </a:r>
             <a:r>
               <a:rPr lang="ko-KR" altLang="en-US" b="1" dirty="0" err="1" smtClean="0">
@@ -7037,7 +6957,7 @@
     </p:spTree>
     <p:extLst>
       <p:ext uri="{BB962C8B-B14F-4D97-AF65-F5344CB8AC3E}">
-        <p14:creationId xmlns:p14="http://schemas.microsoft.com/office/powerpoint/2010/main" xmlns="" val="3168494829"/>
+        <p14:creationId xmlns="" xmlns:p14="http://schemas.microsoft.com/office/powerpoint/2010/main" val="3168494829"/>
       </p:ext>
     </p:extLst>
   </p:cSld>
@@ -7633,7 +7553,7 @@
     </p:spTree>
     <p:extLst>
       <p:ext uri="{BB962C8B-B14F-4D97-AF65-F5344CB8AC3E}">
-        <p14:creationId xmlns:p14="http://schemas.microsoft.com/office/powerpoint/2010/main" xmlns="" val="2689856561"/>
+        <p14:creationId xmlns="" xmlns:p14="http://schemas.microsoft.com/office/powerpoint/2010/main" val="2689856561"/>
       </p:ext>
     </p:extLst>
   </p:cSld>
@@ -7851,7 +7771,7 @@
           <p:cNvPr id="34" name="TextBox 33">
             <a:extLst>
               <a:ext uri="{FF2B5EF4-FFF2-40B4-BE49-F238E27FC236}">
-                <a16:creationId xmlns="" xmlns:a16="http://schemas.microsoft.com/office/drawing/2014/main" id="{D521CD57-7D52-4085-AA67-6293BD236F8A}"/>
+                <a16:creationId xmlns:a16="http://schemas.microsoft.com/office/drawing/2014/main" xmlns="" id="{D521CD57-7D52-4085-AA67-6293BD236F8A}"/>
               </a:ext>
             </a:extLst>
           </p:cNvPr>
@@ -7887,17 +7807,7 @@
                 <a:latin typeface="210 옴니고딕 030" panose="02020603020101020101" pitchFamily="18" charset="-127"/>
                 <a:ea typeface="210 옴니고딕 030" panose="02020603020101020101" pitchFamily="18" charset="-127"/>
               </a:rPr>
-              <a:t>   </a:t>
-            </a:r>
-            <a:r>
-              <a:rPr lang="en-US" altLang="ko-KR" b="1" dirty="0" smtClean="0">
-                <a:solidFill>
-                  <a:schemeClr val="tx2"/>
-                </a:solidFill>
-                <a:latin typeface="210 옴니고딕 030" panose="02020603020101020101" pitchFamily="18" charset="-127"/>
-                <a:ea typeface="210 옴니고딕 030" panose="02020603020101020101" pitchFamily="18" charset="-127"/>
-              </a:rPr>
-              <a:t>1. </a:t>
+              <a:t>   1. </a:t>
             </a:r>
             <a:r>
               <a:rPr lang="ko-KR" altLang="en-US" b="1" dirty="0" smtClean="0">
@@ -8314,7 +8224,7 @@
           <p:cNvPr id="17" name="TextBox 16">
             <a:extLst>
               <a:ext uri="{FF2B5EF4-FFF2-40B4-BE49-F238E27FC236}">
-                <a16:creationId xmlns="" xmlns:a16="http://schemas.microsoft.com/office/drawing/2014/main" id="{D521CD57-7D52-4085-AA67-6293BD236F8A}"/>
+                <a16:creationId xmlns:a16="http://schemas.microsoft.com/office/drawing/2014/main" xmlns="" id="{D521CD57-7D52-4085-AA67-6293BD236F8A}"/>
               </a:ext>
             </a:extLst>
           </p:cNvPr>
@@ -8350,17 +8260,7 @@
                 <a:latin typeface="210 옴니고딕 030" panose="02020603020101020101" pitchFamily="18" charset="-127"/>
                 <a:ea typeface="210 옴니고딕 030" panose="02020603020101020101" pitchFamily="18" charset="-127"/>
               </a:rPr>
-              <a:t>   </a:t>
-            </a:r>
-            <a:r>
-              <a:rPr lang="en-US" altLang="ko-KR" b="1" dirty="0" smtClean="0">
-                <a:solidFill>
-                  <a:schemeClr val="tx2"/>
-                </a:solidFill>
-                <a:latin typeface="210 옴니고딕 030" panose="02020603020101020101" pitchFamily="18" charset="-127"/>
-                <a:ea typeface="210 옴니고딕 030" panose="02020603020101020101" pitchFamily="18" charset="-127"/>
-              </a:rPr>
-              <a:t>2. </a:t>
+              <a:t>   2. </a:t>
             </a:r>
             <a:r>
               <a:rPr lang="ko-KR" altLang="en-US" b="1" dirty="0" smtClean="0">
@@ -8415,7 +8315,7 @@
     </p:spTree>
     <p:extLst>
       <p:ext uri="{BB962C8B-B14F-4D97-AF65-F5344CB8AC3E}">
-        <p14:creationId xmlns:p14="http://schemas.microsoft.com/office/powerpoint/2010/main" xmlns="" val="3168494829"/>
+        <p14:creationId xmlns="" xmlns:p14="http://schemas.microsoft.com/office/powerpoint/2010/main" val="3168494829"/>
       </p:ext>
     </p:extLst>
   </p:cSld>
@@ -8462,7 +8362,7 @@
           <a:blip r:embed="rId2" cstate="print">
             <a:extLst>
               <a:ext uri="{28A0092B-C50C-407E-A947-70E740481C1C}">
-                <a14:useLocalDpi xmlns:a14="http://schemas.microsoft.com/office/drawing/2010/main" xmlns="" val="0"/>
+                <a14:useLocalDpi xmlns="" xmlns:a14="http://schemas.microsoft.com/office/drawing/2010/main" val="0"/>
               </a:ext>
             </a:extLst>
           </a:blip>
@@ -9039,7 +8939,7 @@
     </p:spTree>
     <p:extLst>
       <p:ext uri="{BB962C8B-B14F-4D97-AF65-F5344CB8AC3E}">
-        <p14:creationId xmlns:p14="http://schemas.microsoft.com/office/powerpoint/2010/main" xmlns="" val="2240109207"/>
+        <p14:creationId xmlns="" xmlns:p14="http://schemas.microsoft.com/office/powerpoint/2010/main" val="2240109207"/>
       </p:ext>
     </p:extLst>
   </p:cSld>
@@ -9619,7 +9519,7 @@
     </p:spTree>
     <p:extLst>
       <p:ext uri="{BB962C8B-B14F-4D97-AF65-F5344CB8AC3E}">
-        <p14:creationId xmlns:p14="http://schemas.microsoft.com/office/powerpoint/2010/main" xmlns="" val="2689856561"/>
+        <p14:creationId xmlns="" xmlns:p14="http://schemas.microsoft.com/office/powerpoint/2010/main" val="2689856561"/>
       </p:ext>
     </p:extLst>
   </p:cSld>
@@ -9811,7 +9711,7 @@
           <p:cNvPr id="34" name="TextBox 33">
             <a:extLst>
               <a:ext uri="{FF2B5EF4-FFF2-40B4-BE49-F238E27FC236}">
-                <a16:creationId xmlns="" xmlns:a16="http://schemas.microsoft.com/office/drawing/2014/main" id="{D521CD57-7D52-4085-AA67-6293BD236F8A}"/>
+                <a16:creationId xmlns:a16="http://schemas.microsoft.com/office/drawing/2014/main" xmlns="" id="{D521CD57-7D52-4085-AA67-6293BD236F8A}"/>
               </a:ext>
             </a:extLst>
           </p:cNvPr>
@@ -10185,7 +10085,7 @@
     </p:spTree>
     <p:extLst>
       <p:ext uri="{BB962C8B-B14F-4D97-AF65-F5344CB8AC3E}">
-        <p14:creationId xmlns:p14="http://schemas.microsoft.com/office/powerpoint/2010/main" xmlns="" val="3168494829"/>
+        <p14:creationId xmlns="" xmlns:p14="http://schemas.microsoft.com/office/powerpoint/2010/main" val="3168494829"/>
       </p:ext>
     </p:extLst>
   </p:cSld>
@@ -10377,7 +10277,7 @@
           <p:cNvPr id="34" name="TextBox 33">
             <a:extLst>
               <a:ext uri="{FF2B5EF4-FFF2-40B4-BE49-F238E27FC236}">
-                <a16:creationId xmlns="" xmlns:a16="http://schemas.microsoft.com/office/drawing/2014/main" id="{D521CD57-7D52-4085-AA67-6293BD236F8A}"/>
+                <a16:creationId xmlns:a16="http://schemas.microsoft.com/office/drawing/2014/main" xmlns="" id="{D521CD57-7D52-4085-AA67-6293BD236F8A}"/>
               </a:ext>
             </a:extLst>
           </p:cNvPr>
@@ -10674,7 +10574,7 @@
     </p:spTree>
     <p:extLst>
       <p:ext uri="{BB962C8B-B14F-4D97-AF65-F5344CB8AC3E}">
-        <p14:creationId xmlns:p14="http://schemas.microsoft.com/office/powerpoint/2010/main" xmlns="" val="3168494829"/>
+        <p14:creationId xmlns="" xmlns:p14="http://schemas.microsoft.com/office/powerpoint/2010/main" val="3168494829"/>
       </p:ext>
     </p:extLst>
   </p:cSld>
@@ -10892,7 +10792,7 @@
           <p:cNvPr id="34" name="TextBox 33">
             <a:extLst>
               <a:ext uri="{FF2B5EF4-FFF2-40B4-BE49-F238E27FC236}">
-                <a16:creationId xmlns="" xmlns:a16="http://schemas.microsoft.com/office/drawing/2014/main" id="{D521CD57-7D52-4085-AA67-6293BD236F8A}"/>
+                <a16:creationId xmlns:a16="http://schemas.microsoft.com/office/drawing/2014/main" xmlns="" id="{D521CD57-7D52-4085-AA67-6293BD236F8A}"/>
               </a:ext>
             </a:extLst>
           </p:cNvPr>
@@ -11288,7 +11188,7 @@
     </p:spTree>
     <p:extLst>
       <p:ext uri="{BB962C8B-B14F-4D97-AF65-F5344CB8AC3E}">
-        <p14:creationId xmlns:p14="http://schemas.microsoft.com/office/powerpoint/2010/main" xmlns="" val="3168494829"/>
+        <p14:creationId xmlns="" xmlns:p14="http://schemas.microsoft.com/office/powerpoint/2010/main" val="3168494829"/>
       </p:ext>
     </p:extLst>
   </p:cSld>
@@ -11506,7 +11406,7 @@
           <p:cNvPr id="34" name="TextBox 33">
             <a:extLst>
               <a:ext uri="{FF2B5EF4-FFF2-40B4-BE49-F238E27FC236}">
-                <a16:creationId xmlns="" xmlns:a16="http://schemas.microsoft.com/office/drawing/2014/main" id="{D521CD57-7D52-4085-AA67-6293BD236F8A}"/>
+                <a16:creationId xmlns:a16="http://schemas.microsoft.com/office/drawing/2014/main" xmlns="" id="{D521CD57-7D52-4085-AA67-6293BD236F8A}"/>
               </a:ext>
             </a:extLst>
           </p:cNvPr>
@@ -11884,7 +11784,7 @@
     </p:spTree>
     <p:extLst>
       <p:ext uri="{BB962C8B-B14F-4D97-AF65-F5344CB8AC3E}">
-        <p14:creationId xmlns:p14="http://schemas.microsoft.com/office/powerpoint/2010/main" xmlns="" val="3168494829"/>
+        <p14:creationId xmlns="" xmlns:p14="http://schemas.microsoft.com/office/powerpoint/2010/main" val="3168494829"/>
       </p:ext>
     </p:extLst>
   </p:cSld>
@@ -12102,7 +12002,7 @@
           <p:cNvPr id="34" name="TextBox 33">
             <a:extLst>
               <a:ext uri="{FF2B5EF4-FFF2-40B4-BE49-F238E27FC236}">
-                <a16:creationId xmlns="" xmlns:a16="http://schemas.microsoft.com/office/drawing/2014/main" id="{D521CD57-7D52-4085-AA67-6293BD236F8A}"/>
+                <a16:creationId xmlns:a16="http://schemas.microsoft.com/office/drawing/2014/main" xmlns="" id="{D521CD57-7D52-4085-AA67-6293BD236F8A}"/>
               </a:ext>
             </a:extLst>
           </p:cNvPr>
@@ -12586,7 +12486,7 @@
     </p:spTree>
     <p:extLst>
       <p:ext uri="{BB962C8B-B14F-4D97-AF65-F5344CB8AC3E}">
-        <p14:creationId xmlns:p14="http://schemas.microsoft.com/office/powerpoint/2010/main" xmlns="" val="3168494829"/>
+        <p14:creationId xmlns="" xmlns:p14="http://schemas.microsoft.com/office/powerpoint/2010/main" val="3168494829"/>
       </p:ext>
     </p:extLst>
   </p:cSld>
@@ -12804,7 +12704,7 @@
           <p:cNvPr id="34" name="TextBox 33">
             <a:extLst>
               <a:ext uri="{FF2B5EF4-FFF2-40B4-BE49-F238E27FC236}">
-                <a16:creationId xmlns="" xmlns:a16="http://schemas.microsoft.com/office/drawing/2014/main" id="{D521CD57-7D52-4085-AA67-6293BD236F8A}"/>
+                <a16:creationId xmlns:a16="http://schemas.microsoft.com/office/drawing/2014/main" xmlns="" id="{D521CD57-7D52-4085-AA67-6293BD236F8A}"/>
               </a:ext>
             </a:extLst>
           </p:cNvPr>
@@ -13600,7 +13500,7 @@
     </p:spTree>
     <p:extLst>
       <p:ext uri="{BB962C8B-B14F-4D97-AF65-F5344CB8AC3E}">
-        <p14:creationId xmlns:p14="http://schemas.microsoft.com/office/powerpoint/2010/main" xmlns="" val="3168494829"/>
+        <p14:creationId xmlns="" xmlns:p14="http://schemas.microsoft.com/office/powerpoint/2010/main" val="3168494829"/>
       </p:ext>
     </p:extLst>
   </p:cSld>
@@ -13838,7 +13738,7 @@
   <a:extraClrSchemeLst/>
   <a:extLst>
     <a:ext uri="{05A4C25C-085E-4340-85A3-A5531E510DB2}">
-      <thm15:themeFamily xmlns:thm15="http://schemas.microsoft.com/office/thememl/2012/main" xmlns="" name="Office Theme" id="{62F939B6-93AF-4DB8-9C6B-D6C7DFDC589F}" vid="{4A3C46E8-61CC-4603-A589-7422A47A8E4A}"/>
+      <thm15:themeFamily xmlns="" xmlns:thm15="http://schemas.microsoft.com/office/thememl/2012/main" name="Office Theme" id="{62F939B6-93AF-4DB8-9C6B-D6C7DFDC589F}" vid="{4A3C46E8-61CC-4603-A589-7422A47A8E4A}"/>
     </a:ext>
   </a:extLst>
 </a:theme>
